--- a/packages/2_triangle/ppt/绘制三角形.pptx
+++ b/packages/2_triangle/ppt/绘制三角形.pptx
@@ -220,7 +220,7 @@
                 <a:latin typeface="微软雅黑" panose="020B0503020204020204" charset="-122"/>
                 <a:ea typeface="微软雅黑" panose="020B0503020204020204" charset="-122"/>
               </a:rPr>
-              <a:t>2023/10/8</a:t>
+              <a:t>2023/10/11</a:t>
             </a:fld>
             <a:endParaRPr lang="zh-CN" altLang="en-US">
               <a:latin typeface="微软雅黑" panose="020B0503020204020204" charset="-122"/>
@@ -403,7 +403,7 @@
           <a:p>
             <a:fld id="{1AC49D05-6128-4D0D-A32A-06A5E73B386C}" type="datetimeFigureOut">
               <a:rPr lang="zh-CN" altLang="en-US" smtClean="0"/>
-              <a:t>2023/10/8</a:t>
+              <a:t>2023/10/11</a:t>
             </a:fld>
             <a:endParaRPr lang="zh-CN" altLang="en-US"/>
           </a:p>
@@ -1130,7 +1130,7 @@
           <a:p>
             <a:fld id="{9EFD9D74-47D9-4702-A33C-335B63B48DBF}" type="datetimeFigureOut">
               <a:rPr lang="zh-CN" altLang="en-US" smtClean="0"/>
-              <a:t>2023/10/8</a:t>
+              <a:t>2023/10/11</a:t>
             </a:fld>
             <a:endParaRPr lang="zh-CN" altLang="en-US" dirty="0"/>
           </a:p>
@@ -1463,7 +1463,7 @@
           <a:p>
             <a:fld id="{760FBDFE-C587-4B4C-A407-44438C67B59E}" type="datetimeFigureOut">
               <a:rPr lang="zh-CN" altLang="en-US" smtClean="0"/>
-              <a:t>2023/10/8</a:t>
+              <a:t>2023/10/11</a:t>
             </a:fld>
             <a:endParaRPr lang="zh-CN" altLang="en-US"/>
           </a:p>
@@ -1636,7 +1636,7 @@
           <a:p>
             <a:fld id="{9EFD9D74-47D9-4702-A33C-335B63B48DBF}" type="datetimeFigureOut">
               <a:rPr lang="zh-CN" altLang="en-US" smtClean="0"/>
-              <a:t>2023/10/8</a:t>
+              <a:t>2023/10/11</a:t>
             </a:fld>
             <a:endParaRPr lang="zh-CN" altLang="en-US" dirty="0"/>
           </a:p>
@@ -2161,7 +2161,7 @@
           <a:p>
             <a:fld id="{760FBDFE-C587-4B4C-A407-44438C67B59E}" type="datetimeFigureOut">
               <a:rPr lang="zh-CN" altLang="en-US" smtClean="0"/>
-              <a:t>2023/10/8</a:t>
+              <a:t>2023/10/11</a:t>
             </a:fld>
             <a:endParaRPr lang="zh-CN" altLang="en-US"/>
           </a:p>
@@ -2909,7 +2909,7 @@
           <a:p>
             <a:fld id="{760FBDFE-C587-4B4C-A407-44438C67B59E}" type="datetimeFigureOut">
               <a:rPr lang="zh-CN" altLang="en-US" smtClean="0"/>
-              <a:t>2023/10/8</a:t>
+              <a:t>2023/10/11</a:t>
             </a:fld>
             <a:endParaRPr lang="zh-CN" altLang="en-US"/>
           </a:p>
@@ -3075,7 +3075,7 @@
           <a:p>
             <a:fld id="{760FBDFE-C587-4B4C-A407-44438C67B59E}" type="datetimeFigureOut">
               <a:rPr lang="zh-CN" altLang="en-US" smtClean="0"/>
-              <a:t>2023/10/8</a:t>
+              <a:t>2023/10/11</a:t>
             </a:fld>
             <a:endParaRPr lang="zh-CN" altLang="en-US"/>
           </a:p>
@@ -3189,7 +3189,7 @@
           <a:p>
             <a:fld id="{760FBDFE-C587-4B4C-A407-44438C67B59E}" type="datetimeFigureOut">
               <a:rPr lang="zh-CN" altLang="en-US" smtClean="0"/>
-              <a:t>2023/10/8</a:t>
+              <a:t>2023/10/11</a:t>
             </a:fld>
             <a:endParaRPr lang="zh-CN" altLang="en-US"/>
           </a:p>
@@ -3519,7 +3519,7 @@
           <a:p>
             <a:fld id="{9EFD9D74-47D9-4702-A33C-335B63B48DBF}" type="datetimeFigureOut">
               <a:rPr lang="zh-CN" altLang="en-US" smtClean="0"/>
-              <a:t>2023/10/8</a:t>
+              <a:t>2023/10/11</a:t>
             </a:fld>
             <a:endParaRPr lang="zh-CN" altLang="en-US" dirty="0"/>
           </a:p>
@@ -4032,7 +4032,7 @@
           <a:p>
             <a:fld id="{760FBDFE-C587-4B4C-A407-44438C67B59E}" type="datetimeFigureOut">
               <a:rPr lang="zh-CN" altLang="en-US" smtClean="0"/>
-              <a:t>2023/10/8</a:t>
+              <a:t>2023/10/11</a:t>
             </a:fld>
             <a:endParaRPr lang="zh-CN" altLang="en-US"/>
           </a:p>
@@ -4146,7 +4146,7 @@
           <a:p>
             <a:fld id="{760FBDFE-C587-4B4C-A407-44438C67B59E}" type="datetimeFigureOut">
               <a:rPr lang="zh-CN" altLang="en-US" smtClean="0"/>
-              <a:t>2023/10/8</a:t>
+              <a:t>2023/10/11</a:t>
             </a:fld>
             <a:endParaRPr lang="zh-CN" altLang="en-US"/>
           </a:p>
@@ -4669,7 +4669,7 @@
           <a:p>
             <a:fld id="{760FBDFE-C587-4B4C-A407-44438C67B59E}" type="datetimeFigureOut">
               <a:rPr lang="zh-CN" altLang="en-US" smtClean="0"/>
-              <a:t>2023/10/8</a:t>
+              <a:t>2023/10/11</a:t>
             </a:fld>
             <a:endParaRPr lang="zh-CN" altLang="en-US"/>
           </a:p>
@@ -5338,7 +5338,7 @@
           <a:p>
             <a:fld id="{9EFD9D74-47D9-4702-A33C-335B63B48DBF}" type="datetimeFigureOut">
               <a:rPr lang="zh-CN" altLang="en-US" smtClean="0"/>
-              <a:t>2023/10/8</a:t>
+              <a:t>2023/10/11</a:t>
             </a:fld>
             <a:endParaRPr lang="zh-CN" altLang="en-US" dirty="0"/>
           </a:p>
@@ -5486,7 +5486,7 @@
           <a:p>
             <a:fld id="{9EFD9D74-47D9-4702-A33C-335B63B48DBF}" type="datetimeFigureOut">
               <a:rPr lang="zh-CN" altLang="en-US" smtClean="0"/>
-              <a:t>2023/10/8</a:t>
+              <a:t>2023/10/11</a:t>
             </a:fld>
             <a:endParaRPr lang="zh-CN" altLang="en-US" dirty="0"/>
           </a:p>
@@ -6337,41 +6337,41 @@
               <a:buChar char="•"/>
             </a:pPr>
             <a:r>
-              <a:rPr>
+              <a:rPr dirty="0">
                 <a:sym typeface="+mn-ea"/>
               </a:rPr>
               <a:t>您学到了什么？</a:t>
             </a:r>
             <a:br>
-              <a:rPr>
+              <a:rPr dirty="0">
                 <a:sym typeface="+mn-ea"/>
               </a:rPr>
             </a:br>
             <a:r>
-              <a:rPr lang="en-US" altLang="zh-CN">
+              <a:rPr lang="en-US" altLang="zh-CN" dirty="0">
                 <a:sym typeface="+mn-ea"/>
               </a:rPr>
               <a:t>- </a:t>
             </a:r>
             <a:r>
-              <a:rPr>
+              <a:rPr dirty="0">
                 <a:sym typeface="+mn-ea"/>
               </a:rPr>
               <a:t>回答为什么要学习本课</a:t>
             </a:r>
             <a:br>
-              <a:rPr lang="en-US" altLang="zh-CN">
+              <a:rPr lang="en-US" altLang="zh-CN" dirty="0">
                 <a:sym typeface="+mn-ea"/>
               </a:rPr>
             </a:br>
             <a:r>
-              <a:rPr lang="en-US" altLang="zh-CN">
+              <a:rPr lang="en-US" altLang="zh-CN" dirty="0">
                 <a:sym typeface="+mn-ea"/>
               </a:rPr>
               <a:t>- </a:t>
             </a:r>
             <a:r>
-              <a:rPr>
+              <a:rPr dirty="0">
                 <a:sym typeface="+mn-ea"/>
               </a:rPr>
               <a:t>回答所有的主问题</a:t>
@@ -6382,62 +6382,7 @@
               <a:buFont typeface="Arial" panose="020B0604020202090204" pitchFamily="34" charset="0"/>
               <a:buChar char="•"/>
             </a:pPr>
-            <a:endParaRPr>
-              <a:sym typeface="+mn-ea"/>
-            </a:endParaRPr>
-          </a:p>
-          <a:p>
-            <a:pPr marL="285750" indent="-285750">
-              <a:buFont typeface="Arial" panose="020B0604020202090204" pitchFamily="34" charset="0"/>
-              <a:buChar char="•"/>
-            </a:pPr>
-            <a:r>
-              <a:rPr>
-                <a:sym typeface="+mn-ea"/>
-              </a:rPr>
-              <a:t>开始回答</a:t>
-            </a:r>
-            <a:br>
-              <a:rPr>
-                <a:sym typeface="+mn-ea"/>
-              </a:rPr>
-            </a:br>
-            <a:r>
-              <a:rPr lang="en-US" altLang="zh-CN">
-                <a:sym typeface="+mn-ea"/>
-              </a:rPr>
-              <a:t>- </a:t>
-            </a:r>
-            <a:r>
-              <a:rPr>
-                <a:sym typeface="+mn-ea"/>
-              </a:rPr>
-              <a:t>自学</a:t>
-            </a:r>
-            <a:br>
-              <a:rPr>
-                <a:sym typeface="+mn-ea"/>
-              </a:rPr>
-            </a:br>
-            <a:r>
-              <a:rPr lang="en-US" altLang="zh-CN">
-                <a:sym typeface="+mn-ea"/>
-              </a:rPr>
-              <a:t>- </a:t>
-            </a:r>
-            <a:r>
-              <a:rPr>
-                <a:sym typeface="+mn-ea"/>
-              </a:rPr>
-              <a:t>展学</a:t>
-            </a:r>
-          </a:p>
-          <a:p>
-            <a:pPr marL="285750" indent="-285750">
-              <a:buFont typeface="Arial" panose="020B0604020202090204" pitchFamily="34" charset="0"/>
-              <a:buChar char="•"/>
-            </a:pPr>
-            <a:endParaRPr>
+            <a:endParaRPr dirty="0">
               <a:sym typeface="+mn-ea"/>
             </a:endParaRPr>
           </a:p>
@@ -6526,6 +6471,186 @@
   <p:clrMapOvr>
     <a:masterClrMapping/>
   </p:clrMapOvr>
+  <p:timing>
+    <p:tnLst>
+      <p:par>
+        <p:cTn id="1" dur="indefinite" restart="never" nodeType="tmRoot">
+          <p:childTnLst>
+            <p:seq concurrent="1" nextAc="seek">
+              <p:cTn id="2" dur="indefinite" nodeType="mainSeq">
+                <p:childTnLst>
+                  <p:par>
+                    <p:cTn id="3" fill="hold">
+                      <p:stCondLst>
+                        <p:cond delay="indefinite"/>
+                      </p:stCondLst>
+                      <p:childTnLst>
+                        <p:par>
+                          <p:cTn id="4" fill="hold">
+                            <p:stCondLst>
+                              <p:cond delay="0"/>
+                            </p:stCondLst>
+                            <p:childTnLst>
+                              <p:par>
+                                <p:cTn id="5" presetID="1" presetClass="entr" presetSubtype="0" fill="hold" grpId="0" nodeType="clickEffect">
+                                  <p:stCondLst>
+                                    <p:cond delay="0"/>
+                                  </p:stCondLst>
+                                  <p:childTnLst>
+                                    <p:set>
+                                      <p:cBhvr>
+                                        <p:cTn id="6" dur="1" fill="hold">
+                                          <p:stCondLst>
+                                            <p:cond delay="0"/>
+                                          </p:stCondLst>
+                                        </p:cTn>
+                                        <p:tgtEl>
+                                          <p:spTgt spid="2">
+                                            <p:txEl>
+                                              <p:pRg st="0" end="0"/>
+                                            </p:txEl>
+                                          </p:spTgt>
+                                        </p:tgtEl>
+                                        <p:attrNameLst>
+                                          <p:attrName>style.visibility</p:attrName>
+                                        </p:attrNameLst>
+                                      </p:cBhvr>
+                                      <p:to>
+                                        <p:strVal val="visible"/>
+                                      </p:to>
+                                    </p:set>
+                                  </p:childTnLst>
+                                </p:cTn>
+                              </p:par>
+                            </p:childTnLst>
+                          </p:cTn>
+                        </p:par>
+                      </p:childTnLst>
+                    </p:cTn>
+                  </p:par>
+                  <p:par>
+                    <p:cTn id="7" fill="hold">
+                      <p:stCondLst>
+                        <p:cond delay="indefinite"/>
+                      </p:stCondLst>
+                      <p:childTnLst>
+                        <p:par>
+                          <p:cTn id="8" fill="hold">
+                            <p:stCondLst>
+                              <p:cond delay="0"/>
+                            </p:stCondLst>
+                            <p:childTnLst>
+                              <p:par>
+                                <p:cTn id="9" presetID="1" presetClass="entr" presetSubtype="0" fill="hold" nodeType="clickEffect">
+                                  <p:stCondLst>
+                                    <p:cond delay="0"/>
+                                  </p:stCondLst>
+                                  <p:childTnLst>
+                                    <p:set>
+                                      <p:cBhvr>
+                                        <p:cTn id="10" dur="1" fill="hold">
+                                          <p:stCondLst>
+                                            <p:cond delay="0"/>
+                                          </p:stCondLst>
+                                        </p:cTn>
+                                        <p:tgtEl>
+                                          <p:spTgt spid="2">
+                                            <p:txEl>
+                                              <p:pRg st="0" end="0"/>
+                                            </p:txEl>
+                                          </p:spTgt>
+                                        </p:tgtEl>
+                                        <p:attrNameLst>
+                                          <p:attrName>style.visibility</p:attrName>
+                                        </p:attrNameLst>
+                                      </p:cBhvr>
+                                      <p:to>
+                                        <p:strVal val="visible"/>
+                                      </p:to>
+                                    </p:set>
+                                  </p:childTnLst>
+                                </p:cTn>
+                              </p:par>
+                            </p:childTnLst>
+                          </p:cTn>
+                        </p:par>
+                      </p:childTnLst>
+                    </p:cTn>
+                  </p:par>
+                  <p:par>
+                    <p:cTn id="11" fill="hold">
+                      <p:stCondLst>
+                        <p:cond delay="indefinite"/>
+                      </p:stCondLst>
+                      <p:childTnLst>
+                        <p:par>
+                          <p:cTn id="12" fill="hold">
+                            <p:stCondLst>
+                              <p:cond delay="0"/>
+                            </p:stCondLst>
+                            <p:childTnLst>
+                              <p:par>
+                                <p:cTn id="13" presetID="1" presetClass="entr" presetSubtype="0" fill="hold" nodeType="clickEffect">
+                                  <p:stCondLst>
+                                    <p:cond delay="0"/>
+                                  </p:stCondLst>
+                                  <p:childTnLst>
+                                    <p:set>
+                                      <p:cBhvr>
+                                        <p:cTn id="14" dur="1" fill="hold">
+                                          <p:stCondLst>
+                                            <p:cond delay="0"/>
+                                          </p:stCondLst>
+                                        </p:cTn>
+                                        <p:tgtEl>
+                                          <p:spTgt spid="2">
+                                            <p:txEl>
+                                              <p:pRg st="0" end="0"/>
+                                            </p:txEl>
+                                          </p:spTgt>
+                                        </p:tgtEl>
+                                        <p:attrNameLst>
+                                          <p:attrName>style.visibility</p:attrName>
+                                        </p:attrNameLst>
+                                      </p:cBhvr>
+                                      <p:to>
+                                        <p:strVal val="visible"/>
+                                      </p:to>
+                                    </p:set>
+                                  </p:childTnLst>
+                                </p:cTn>
+                              </p:par>
+                            </p:childTnLst>
+                          </p:cTn>
+                        </p:par>
+                      </p:childTnLst>
+                    </p:cTn>
+                  </p:par>
+                </p:childTnLst>
+              </p:cTn>
+              <p:prevCondLst>
+                <p:cond evt="onPrev" delay="0">
+                  <p:tgtEl>
+                    <p:sldTgt/>
+                  </p:tgtEl>
+                </p:cond>
+              </p:prevCondLst>
+              <p:nextCondLst>
+                <p:cond evt="onNext" delay="0">
+                  <p:tgtEl>
+                    <p:sldTgt/>
+                  </p:tgtEl>
+                </p:cond>
+              </p:nextCondLst>
+            </p:seq>
+          </p:childTnLst>
+        </p:cTn>
+      </p:par>
+    </p:tnLst>
+    <p:bldLst>
+      <p:bldP spid="2" grpId="0" build="p"/>
+    </p:bldLst>
+  </p:timing>
 </p:sld>
 </file>
 
@@ -6743,6 +6868,88 @@
   <p:clrMapOvr>
     <a:masterClrMapping/>
   </p:clrMapOvr>
+  <p:timing>
+    <p:tnLst>
+      <p:par>
+        <p:cTn id="1" dur="indefinite" restart="never" nodeType="tmRoot">
+          <p:childTnLst>
+            <p:seq concurrent="1" nextAc="seek">
+              <p:cTn id="2" dur="indefinite" nodeType="mainSeq">
+                <p:childTnLst>
+                  <p:par>
+                    <p:cTn id="3" fill="hold">
+                      <p:stCondLst>
+                        <p:cond delay="indefinite"/>
+                      </p:stCondLst>
+                      <p:childTnLst>
+                        <p:par>
+                          <p:cTn id="4" fill="hold">
+                            <p:stCondLst>
+                              <p:cond delay="0"/>
+                            </p:stCondLst>
+                            <p:childTnLst>
+                              <p:par>
+                                <p:cTn id="5" presetID="1" presetClass="entr" presetSubtype="0" fill="hold" grpId="0" nodeType="clickEffect">
+                                  <p:stCondLst>
+                                    <p:cond delay="0"/>
+                                  </p:stCondLst>
+                                  <p:childTnLst>
+                                    <p:set>
+                                      <p:cBhvr>
+                                        <p:cTn id="6" dur="1" fill="hold">
+                                          <p:stCondLst>
+                                            <p:cond delay="0"/>
+                                          </p:stCondLst>
+                                        </p:cTn>
+                                        <p:tgtEl>
+                                          <p:spTgt spid="2">
+                                            <p:txEl>
+                                              <p:pRg st="0" end="0"/>
+                                            </p:txEl>
+                                          </p:spTgt>
+                                        </p:tgtEl>
+                                        <p:attrNameLst>
+                                          <p:attrName>style.visibility</p:attrName>
+                                        </p:attrNameLst>
+                                      </p:cBhvr>
+                                      <p:to>
+                                        <p:strVal val="visible"/>
+                                      </p:to>
+                                    </p:set>
+                                  </p:childTnLst>
+                                </p:cTn>
+                              </p:par>
+                            </p:childTnLst>
+                          </p:cTn>
+                        </p:par>
+                      </p:childTnLst>
+                    </p:cTn>
+                  </p:par>
+                </p:childTnLst>
+              </p:cTn>
+              <p:prevCondLst>
+                <p:cond evt="onPrev" delay="0">
+                  <p:tgtEl>
+                    <p:sldTgt/>
+                  </p:tgtEl>
+                </p:cond>
+              </p:prevCondLst>
+              <p:nextCondLst>
+                <p:cond evt="onNext" delay="0">
+                  <p:tgtEl>
+                    <p:sldTgt/>
+                  </p:tgtEl>
+                </p:cond>
+              </p:nextCondLst>
+            </p:seq>
+          </p:childTnLst>
+        </p:cTn>
+      </p:par>
+    </p:tnLst>
+    <p:bldLst>
+      <p:bldP spid="2" grpId="0" build="p"/>
+    </p:bldLst>
+  </p:timing>
 </p:sld>
 </file>
 
@@ -6942,7 +7149,39 @@
               <a:buFont typeface="Arial" panose="020B0604020202090204" pitchFamily="34" charset="0"/>
               <a:buChar char="•"/>
             </a:pPr>
-            <a:endParaRPr>
+            <a:r>
+              <a:rPr lang="zh-CN" altLang="en-US" dirty="0">
+                <a:sym typeface="+mn-ea"/>
+              </a:rPr>
+              <a:t>为什么要学习本课？</a:t>
+            </a:r>
+            <a:endParaRPr lang="en-US" altLang="zh-CN" dirty="0">
+              <a:sym typeface="+mn-ea"/>
+            </a:endParaRPr>
+          </a:p>
+          <a:p>
+            <a:pPr marL="285750" indent="-285750">
+              <a:buFont typeface="Arial" panose="020B0604020202090204" pitchFamily="34" charset="0"/>
+              <a:buChar char="•"/>
+            </a:pPr>
+            <a:r>
+              <a:rPr lang="zh-CN" altLang="en-US" dirty="0"/>
+              <a:t>任务：运行“绘制三角形”的程序</a:t>
+            </a:r>
+            <a:endParaRPr lang="en-US" altLang="zh-CN" dirty="0"/>
+          </a:p>
+          <a:p>
+            <a:pPr marL="285750" indent="-285750">
+              <a:buFont typeface="Arial" panose="020B0604020202090204" pitchFamily="34" charset="0"/>
+              <a:buChar char="•"/>
+            </a:pPr>
+            <a:r>
+              <a:rPr lang="zh-CN" altLang="en-US" dirty="0">
+                <a:sym typeface="+mn-ea"/>
+              </a:rPr>
+              <a:t>主问题：光栅化管线如何实现“绘制一个三角形”</a:t>
+            </a:r>
+            <a:endParaRPr dirty="0">
               <a:sym typeface="+mn-ea"/>
             </a:endParaRPr>
           </a:p>
@@ -6956,6 +7195,186 @@
   <p:clrMapOvr>
     <a:masterClrMapping/>
   </p:clrMapOvr>
+  <p:timing>
+    <p:tnLst>
+      <p:par>
+        <p:cTn id="1" dur="indefinite" restart="never" nodeType="tmRoot">
+          <p:childTnLst>
+            <p:seq concurrent="1" nextAc="seek">
+              <p:cTn id="2" dur="indefinite" nodeType="mainSeq">
+                <p:childTnLst>
+                  <p:par>
+                    <p:cTn id="3" fill="hold">
+                      <p:stCondLst>
+                        <p:cond delay="indefinite"/>
+                      </p:stCondLst>
+                      <p:childTnLst>
+                        <p:par>
+                          <p:cTn id="4" fill="hold">
+                            <p:stCondLst>
+                              <p:cond delay="0"/>
+                            </p:stCondLst>
+                            <p:childTnLst>
+                              <p:par>
+                                <p:cTn id="5" presetID="1" presetClass="entr" presetSubtype="0" fill="hold" grpId="0" nodeType="clickEffect">
+                                  <p:stCondLst>
+                                    <p:cond delay="0"/>
+                                  </p:stCondLst>
+                                  <p:childTnLst>
+                                    <p:set>
+                                      <p:cBhvr>
+                                        <p:cTn id="6" dur="1" fill="hold">
+                                          <p:stCondLst>
+                                            <p:cond delay="0"/>
+                                          </p:stCondLst>
+                                        </p:cTn>
+                                        <p:tgtEl>
+                                          <p:spTgt spid="2">
+                                            <p:txEl>
+                                              <p:pRg st="0" end="0"/>
+                                            </p:txEl>
+                                          </p:spTgt>
+                                        </p:tgtEl>
+                                        <p:attrNameLst>
+                                          <p:attrName>style.visibility</p:attrName>
+                                        </p:attrNameLst>
+                                      </p:cBhvr>
+                                      <p:to>
+                                        <p:strVal val="visible"/>
+                                      </p:to>
+                                    </p:set>
+                                  </p:childTnLst>
+                                </p:cTn>
+                              </p:par>
+                            </p:childTnLst>
+                          </p:cTn>
+                        </p:par>
+                      </p:childTnLst>
+                    </p:cTn>
+                  </p:par>
+                  <p:par>
+                    <p:cTn id="7" fill="hold">
+                      <p:stCondLst>
+                        <p:cond delay="indefinite"/>
+                      </p:stCondLst>
+                      <p:childTnLst>
+                        <p:par>
+                          <p:cTn id="8" fill="hold">
+                            <p:stCondLst>
+                              <p:cond delay="0"/>
+                            </p:stCondLst>
+                            <p:childTnLst>
+                              <p:par>
+                                <p:cTn id="9" presetID="1" presetClass="entr" presetSubtype="0" fill="hold" grpId="0" nodeType="clickEffect">
+                                  <p:stCondLst>
+                                    <p:cond delay="0"/>
+                                  </p:stCondLst>
+                                  <p:childTnLst>
+                                    <p:set>
+                                      <p:cBhvr>
+                                        <p:cTn id="10" dur="1" fill="hold">
+                                          <p:stCondLst>
+                                            <p:cond delay="0"/>
+                                          </p:stCondLst>
+                                        </p:cTn>
+                                        <p:tgtEl>
+                                          <p:spTgt spid="2">
+                                            <p:txEl>
+                                              <p:pRg st="1" end="1"/>
+                                            </p:txEl>
+                                          </p:spTgt>
+                                        </p:tgtEl>
+                                        <p:attrNameLst>
+                                          <p:attrName>style.visibility</p:attrName>
+                                        </p:attrNameLst>
+                                      </p:cBhvr>
+                                      <p:to>
+                                        <p:strVal val="visible"/>
+                                      </p:to>
+                                    </p:set>
+                                  </p:childTnLst>
+                                </p:cTn>
+                              </p:par>
+                            </p:childTnLst>
+                          </p:cTn>
+                        </p:par>
+                      </p:childTnLst>
+                    </p:cTn>
+                  </p:par>
+                  <p:par>
+                    <p:cTn id="11" fill="hold">
+                      <p:stCondLst>
+                        <p:cond delay="indefinite"/>
+                      </p:stCondLst>
+                      <p:childTnLst>
+                        <p:par>
+                          <p:cTn id="12" fill="hold">
+                            <p:stCondLst>
+                              <p:cond delay="0"/>
+                            </p:stCondLst>
+                            <p:childTnLst>
+                              <p:par>
+                                <p:cTn id="13" presetID="1" presetClass="entr" presetSubtype="0" fill="hold" grpId="0" nodeType="clickEffect">
+                                  <p:stCondLst>
+                                    <p:cond delay="0"/>
+                                  </p:stCondLst>
+                                  <p:childTnLst>
+                                    <p:set>
+                                      <p:cBhvr>
+                                        <p:cTn id="14" dur="1" fill="hold">
+                                          <p:stCondLst>
+                                            <p:cond delay="0"/>
+                                          </p:stCondLst>
+                                        </p:cTn>
+                                        <p:tgtEl>
+                                          <p:spTgt spid="2">
+                                            <p:txEl>
+                                              <p:pRg st="2" end="2"/>
+                                            </p:txEl>
+                                          </p:spTgt>
+                                        </p:tgtEl>
+                                        <p:attrNameLst>
+                                          <p:attrName>style.visibility</p:attrName>
+                                        </p:attrNameLst>
+                                      </p:cBhvr>
+                                      <p:to>
+                                        <p:strVal val="visible"/>
+                                      </p:to>
+                                    </p:set>
+                                  </p:childTnLst>
+                                </p:cTn>
+                              </p:par>
+                            </p:childTnLst>
+                          </p:cTn>
+                        </p:par>
+                      </p:childTnLst>
+                    </p:cTn>
+                  </p:par>
+                </p:childTnLst>
+              </p:cTn>
+              <p:prevCondLst>
+                <p:cond evt="onPrev" delay="0">
+                  <p:tgtEl>
+                    <p:sldTgt/>
+                  </p:tgtEl>
+                </p:cond>
+              </p:prevCondLst>
+              <p:nextCondLst>
+                <p:cond evt="onNext" delay="0">
+                  <p:tgtEl>
+                    <p:sldTgt/>
+                  </p:tgtEl>
+                </p:cond>
+              </p:nextCondLst>
+            </p:seq>
+          </p:childTnLst>
+        </p:cTn>
+      </p:par>
+    </p:tnLst>
+    <p:bldLst>
+      <p:bldP spid="2" grpId="0" build="p"/>
+    </p:bldLst>
+  </p:timing>
 </p:sld>
 </file>
 
@@ -7000,7 +7419,7 @@
             </a:endParaRPr>
           </a:p>
           <a:p>
-            <a:pPr marL="285750" indent="-285750">
+            <a:pPr marL="285750" indent="-285750" algn="ctr">
               <a:buFont typeface="Arial" panose="020B0604020202090204" pitchFamily="34" charset="0"/>
               <a:buChar char="•"/>
             </a:pPr>
@@ -7038,12 +7457,12 @@
           <a:lstStyle/>
           <a:p>
             <a:r>
-              <a:rPr>
+              <a:rPr dirty="0">
                 <a:sym typeface="+mn-ea"/>
               </a:rPr>
               <a:t>为什么要学习本课？</a:t>
             </a:r>
-            <a:endParaRPr lang="zh-CN" altLang="en-US"/>
+            <a:endParaRPr lang="zh-CN" altLang="en-US" dirty="0"/>
           </a:p>
         </p:txBody>
       </p:sp>
@@ -7304,7 +7723,15 @@
             </a:pPr>
             <a:r>
               <a:rPr lang="zh-CN" altLang="en-US" dirty="0"/>
-              <a:t>如何初始化着色器？</a:t>
+              <a:t>如何上传三角形顶点数据到</a:t>
+            </a:r>
+            <a:r>
+              <a:rPr lang="en-US" altLang="zh-CN" dirty="0"/>
+              <a:t>GPU</a:t>
+            </a:r>
+            <a:r>
+              <a:rPr lang="zh-CN" altLang="en-US" dirty="0"/>
+              <a:t>？</a:t>
             </a:r>
             <a:endParaRPr lang="en-US" altLang="zh-CN" dirty="0"/>
           </a:p>
@@ -7315,15 +7742,7 @@
             </a:pPr>
             <a:r>
               <a:rPr lang="zh-CN" altLang="en-US" dirty="0"/>
-              <a:t>如何上传三角形顶点数据到</a:t>
-            </a:r>
-            <a:r>
-              <a:rPr lang="en-US" altLang="zh-CN" dirty="0"/>
-              <a:t>GPU</a:t>
-            </a:r>
-            <a:r>
-              <a:rPr lang="zh-CN" altLang="en-US" dirty="0"/>
-              <a:t>？</a:t>
+              <a:t>有哪些步骤？</a:t>
             </a:r>
             <a:br>
               <a:rPr lang="zh-CN" altLang="en-US" dirty="0"/>
@@ -7340,6 +7759,231 @@
   <p:clrMapOvr>
     <a:masterClrMapping/>
   </p:clrMapOvr>
+  <p:timing>
+    <p:tnLst>
+      <p:par>
+        <p:cTn id="1" dur="indefinite" restart="never" nodeType="tmRoot">
+          <p:childTnLst>
+            <p:seq concurrent="1" nextAc="seek">
+              <p:cTn id="2" dur="indefinite" nodeType="mainSeq">
+                <p:childTnLst>
+                  <p:par>
+                    <p:cTn id="3" fill="hold">
+                      <p:stCondLst>
+                        <p:cond delay="indefinite"/>
+                      </p:stCondLst>
+                      <p:childTnLst>
+                        <p:par>
+                          <p:cTn id="4" fill="hold">
+                            <p:stCondLst>
+                              <p:cond delay="0"/>
+                            </p:stCondLst>
+                            <p:childTnLst>
+                              <p:par>
+                                <p:cTn id="5" presetID="1" presetClass="entr" presetSubtype="0" fill="hold" grpId="0" nodeType="clickEffect">
+                                  <p:stCondLst>
+                                    <p:cond delay="0"/>
+                                  </p:stCondLst>
+                                  <p:childTnLst>
+                                    <p:set>
+                                      <p:cBhvr>
+                                        <p:cTn id="6" dur="1" fill="hold">
+                                          <p:stCondLst>
+                                            <p:cond delay="0"/>
+                                          </p:stCondLst>
+                                        </p:cTn>
+                                        <p:tgtEl>
+                                          <p:spTgt spid="4"/>
+                                        </p:tgtEl>
+                                        <p:attrNameLst>
+                                          <p:attrName>style.visibility</p:attrName>
+                                        </p:attrNameLst>
+                                      </p:cBhvr>
+                                      <p:to>
+                                        <p:strVal val="visible"/>
+                                      </p:to>
+                                    </p:set>
+                                  </p:childTnLst>
+                                </p:cTn>
+                              </p:par>
+                            </p:childTnLst>
+                          </p:cTn>
+                        </p:par>
+                      </p:childTnLst>
+                    </p:cTn>
+                  </p:par>
+                  <p:par>
+                    <p:cTn id="7" fill="hold">
+                      <p:stCondLst>
+                        <p:cond delay="indefinite"/>
+                      </p:stCondLst>
+                      <p:childTnLst>
+                        <p:par>
+                          <p:cTn id="8" fill="hold">
+                            <p:stCondLst>
+                              <p:cond delay="0"/>
+                            </p:stCondLst>
+                            <p:childTnLst>
+                              <p:par>
+                                <p:cTn id="9" presetID="1" presetClass="entr" presetSubtype="0" fill="hold" nodeType="clickEffect">
+                                  <p:stCondLst>
+                                    <p:cond delay="0"/>
+                                  </p:stCondLst>
+                                  <p:childTnLst>
+                                    <p:set>
+                                      <p:cBhvr>
+                                        <p:cTn id="10" dur="1" fill="hold">
+                                          <p:stCondLst>
+                                            <p:cond delay="0"/>
+                                          </p:stCondLst>
+                                        </p:cTn>
+                                        <p:tgtEl>
+                                          <p:spTgt spid="4">
+                                            <p:txEl>
+                                              <p:pRg st="1" end="1"/>
+                                            </p:txEl>
+                                          </p:spTgt>
+                                        </p:tgtEl>
+                                        <p:attrNameLst>
+                                          <p:attrName>style.visibility</p:attrName>
+                                        </p:attrNameLst>
+                                      </p:cBhvr>
+                                      <p:to>
+                                        <p:strVal val="visible"/>
+                                      </p:to>
+                                    </p:set>
+                                  </p:childTnLst>
+                                </p:cTn>
+                              </p:par>
+                            </p:childTnLst>
+                          </p:cTn>
+                        </p:par>
+                      </p:childTnLst>
+                    </p:cTn>
+                  </p:par>
+                  <p:par>
+                    <p:cTn id="11" fill="hold">
+                      <p:stCondLst>
+                        <p:cond delay="indefinite"/>
+                      </p:stCondLst>
+                      <p:childTnLst>
+                        <p:par>
+                          <p:cTn id="12" fill="hold">
+                            <p:stCondLst>
+                              <p:cond delay="0"/>
+                            </p:stCondLst>
+                            <p:childTnLst>
+                              <p:par>
+                                <p:cTn id="13" presetID="1" presetClass="entr" presetSubtype="0" fill="hold" nodeType="clickEffect">
+                                  <p:stCondLst>
+                                    <p:cond delay="0"/>
+                                  </p:stCondLst>
+                                  <p:childTnLst>
+                                    <p:set>
+                                      <p:cBhvr>
+                                        <p:cTn id="14" dur="1" fill="hold">
+                                          <p:stCondLst>
+                                            <p:cond delay="0"/>
+                                          </p:stCondLst>
+                                        </p:cTn>
+                                        <p:tgtEl>
+                                          <p:spTgt spid="4">
+                                            <p:txEl>
+                                              <p:pRg st="2" end="2"/>
+                                            </p:txEl>
+                                          </p:spTgt>
+                                        </p:tgtEl>
+                                        <p:attrNameLst>
+                                          <p:attrName>style.visibility</p:attrName>
+                                        </p:attrNameLst>
+                                      </p:cBhvr>
+                                      <p:to>
+                                        <p:strVal val="visible"/>
+                                      </p:to>
+                                    </p:set>
+                                  </p:childTnLst>
+                                </p:cTn>
+                              </p:par>
+                            </p:childTnLst>
+                          </p:cTn>
+                        </p:par>
+                      </p:childTnLst>
+                    </p:cTn>
+                  </p:par>
+                  <p:par>
+                    <p:cTn id="15" fill="hold">
+                      <p:stCondLst>
+                        <p:cond delay="indefinite"/>
+                      </p:stCondLst>
+                      <p:childTnLst>
+                        <p:par>
+                          <p:cTn id="16" fill="hold">
+                            <p:stCondLst>
+                              <p:cond delay="0"/>
+                            </p:stCondLst>
+                            <p:childTnLst>
+                              <p:par>
+                                <p:cTn id="17" presetID="1" presetClass="entr" presetSubtype="0" fill="hold" nodeType="clickEffect">
+                                  <p:stCondLst>
+                                    <p:cond delay="0"/>
+                                  </p:stCondLst>
+                                  <p:childTnLst>
+                                    <p:set>
+                                      <p:cBhvr>
+                                        <p:cTn id="18" dur="1" fill="hold">
+                                          <p:stCondLst>
+                                            <p:cond delay="0"/>
+                                          </p:stCondLst>
+                                        </p:cTn>
+                                        <p:tgtEl>
+                                          <p:spTgt spid="4">
+                                            <p:txEl>
+                                              <p:pRg st="3" end="3"/>
+                                            </p:txEl>
+                                          </p:spTgt>
+                                        </p:tgtEl>
+                                        <p:attrNameLst>
+                                          <p:attrName>style.visibility</p:attrName>
+                                        </p:attrNameLst>
+                                      </p:cBhvr>
+                                      <p:to>
+                                        <p:strVal val="visible"/>
+                                      </p:to>
+                                    </p:set>
+                                  </p:childTnLst>
+                                </p:cTn>
+                              </p:par>
+                            </p:childTnLst>
+                          </p:cTn>
+                        </p:par>
+                      </p:childTnLst>
+                    </p:cTn>
+                  </p:par>
+                </p:childTnLst>
+              </p:cTn>
+              <p:prevCondLst>
+                <p:cond evt="onPrev" delay="0">
+                  <p:tgtEl>
+                    <p:sldTgt/>
+                  </p:tgtEl>
+                </p:cond>
+              </p:prevCondLst>
+              <p:nextCondLst>
+                <p:cond evt="onNext" delay="0">
+                  <p:tgtEl>
+                    <p:sldTgt/>
+                  </p:tgtEl>
+                </p:cond>
+              </p:nextCondLst>
+            </p:seq>
+          </p:childTnLst>
+        </p:cTn>
+      </p:par>
+    </p:tnLst>
+    <p:bldLst>
+      <p:bldP spid="4" grpId="0"/>
+    </p:bldLst>
+  </p:timing>
 </p:sld>
 </file>
 
@@ -7478,7 +8122,37 @@
               <a:rPr lang="zh-CN" altLang="en-US" dirty="0">
                 <a:sym typeface="+mn-ea"/>
               </a:rPr>
-              <a:t>开始分析程序，说明做了哪些事情？</a:t>
+              <a:t>开始分析程序，说明：</a:t>
+            </a:r>
+            <a:endParaRPr lang="en-US" altLang="zh-CN" dirty="0">
+              <a:sym typeface="+mn-ea"/>
+            </a:endParaRPr>
+          </a:p>
+          <a:p>
+            <a:pPr marL="742950" lvl="1" indent="-285750">
+              <a:buFont typeface="Arial" panose="020B0604020202090204" pitchFamily="34" charset="0"/>
+              <a:buChar char="•"/>
+            </a:pPr>
+            <a:r>
+              <a:rPr lang="zh-CN" altLang="en-US" dirty="0">
+                <a:sym typeface="+mn-ea"/>
+              </a:rPr>
+              <a:t>从哪个函数开始？</a:t>
+            </a:r>
+            <a:endParaRPr lang="en-US" altLang="zh-CN" dirty="0">
+              <a:sym typeface="+mn-ea"/>
+            </a:endParaRPr>
+          </a:p>
+          <a:p>
+            <a:pPr marL="742950" lvl="1" indent="-285750">
+              <a:buFont typeface="Arial" panose="020B0604020202090204" pitchFamily="34" charset="0"/>
+              <a:buChar char="•"/>
+            </a:pPr>
+            <a:r>
+              <a:rPr lang="zh-CN" altLang="en-US" dirty="0">
+                <a:sym typeface="+mn-ea"/>
+              </a:rPr>
+              <a:t>做了哪些事情？</a:t>
             </a:r>
             <a:endParaRPr lang="en-US" altLang="zh-CN" dirty="0">
               <a:sym typeface="+mn-ea"/>
@@ -7557,211 +8231,6 @@
   <p:clrMapOvr>
     <a:masterClrMapping/>
   </p:clrMapOvr>
-</p:sld>
-</file>
-
-<file path=ppt/slides/slide7.xml><?xml version="1.0" encoding="utf-8"?>
-<p:sld xmlns:a="http://schemas.openxmlformats.org/drawingml/2006/main" xmlns:r="http://schemas.openxmlformats.org/officeDocument/2006/relationships" xmlns:p="http://schemas.openxmlformats.org/presentationml/2006/main">
-  <p:cSld>
-    <p:spTree>
-      <p:nvGrpSpPr>
-        <p:cNvPr id="1" name=""/>
-        <p:cNvGrpSpPr/>
-        <p:nvPr/>
-      </p:nvGrpSpPr>
-      <p:grpSpPr>
-        <a:xfrm>
-          <a:off x="0" y="0"/>
-          <a:ext cx="0" cy="0"/>
-          <a:chOff x="0" y="0"/>
-          <a:chExt cx="0" cy="0"/>
-        </a:xfrm>
-      </p:grpSpPr>
-      <p:sp>
-        <p:nvSpPr>
-          <p:cNvPr id="2" name="标题 1"/>
-          <p:cNvSpPr>
-            <a:spLocks noGrp="1"/>
-          </p:cNvSpPr>
-          <p:nvPr>
-            <p:ph type="title"/>
-          </p:nvPr>
-        </p:nvSpPr>
-        <p:spPr/>
-        <p:txBody>
-          <a:bodyPr/>
-          <a:lstStyle/>
-          <a:p>
-            <a:r>
-              <a:rPr lang="zh-CN" altLang="en-US" dirty="0">
-                <a:sym typeface="+mn-ea"/>
-              </a:rPr>
-              <a:t>主问题：光栅化管线如何实现“绘制一个三角形”</a:t>
-            </a:r>
-            <a:endParaRPr dirty="0">
-              <a:sym typeface="+mn-ea"/>
-            </a:endParaRPr>
-          </a:p>
-        </p:txBody>
-      </p:sp>
-    </p:spTree>
-    <p:custDataLst>
-      <p:tags r:id="rId1"/>
-    </p:custDataLst>
-  </p:cSld>
-  <p:clrMapOvr>
-    <a:masterClrMapping/>
-  </p:clrMapOvr>
-</p:sld>
-</file>
-
-<file path=ppt/slides/slide8.xml><?xml version="1.0" encoding="utf-8"?>
-<p:sld xmlns:a="http://schemas.openxmlformats.org/drawingml/2006/main" xmlns:r="http://schemas.openxmlformats.org/officeDocument/2006/relationships" xmlns:p="http://schemas.openxmlformats.org/presentationml/2006/main">
-  <p:cSld>
-    <p:spTree>
-      <p:nvGrpSpPr>
-        <p:cNvPr id="1" name=""/>
-        <p:cNvGrpSpPr/>
-        <p:nvPr/>
-      </p:nvGrpSpPr>
-      <p:grpSpPr>
-        <a:xfrm>
-          <a:off x="0" y="0"/>
-          <a:ext cx="0" cy="0"/>
-          <a:chOff x="0" y="0"/>
-          <a:chExt cx="0" cy="0"/>
-        </a:xfrm>
-      </p:grpSpPr>
-      <p:sp>
-        <p:nvSpPr>
-          <p:cNvPr id="2" name="文本占位符 1"/>
-          <p:cNvSpPr>
-            <a:spLocks noGrp="1"/>
-          </p:cNvSpPr>
-          <p:nvPr>
-            <p:ph type="body" idx="1"/>
-          </p:nvPr>
-        </p:nvSpPr>
-        <p:spPr/>
-        <p:txBody>
-          <a:bodyPr/>
-          <a:lstStyle/>
-          <a:p>
-            <a:pPr marL="285750" indent="-285750">
-              <a:buFont typeface="Arial" panose="020B0604020202020204" pitchFamily="34" charset="0"/>
-              <a:buChar char="•"/>
-            </a:pPr>
-            <a:r>
-              <a:rPr lang="zh-CN" altLang="en-US" dirty="0"/>
-              <a:t>已知一个三角形的三个顶点（</a:t>
-            </a:r>
-            <a:r>
-              <a:rPr lang="en-US" altLang="zh-CN" dirty="0"/>
-              <a:t>2</a:t>
-            </a:r>
-            <a:r>
-              <a:rPr lang="en" altLang="zh-CN" dirty="0"/>
-              <a:t>D</a:t>
-            </a:r>
-            <a:r>
-              <a:rPr lang="zh-CN" altLang="en-US" dirty="0"/>
-              <a:t>坐标，</a:t>
-            </a:r>
-            <a:r>
-              <a:rPr lang="en" altLang="zh-CN" dirty="0"/>
-              <a:t>z</a:t>
-            </a:r>
-            <a:r>
-              <a:rPr lang="zh-CN" altLang="en-US" dirty="0"/>
-              <a:t>为</a:t>
-            </a:r>
-            <a:r>
-              <a:rPr lang="en-US" altLang="zh-CN" dirty="0"/>
-              <a:t>0</a:t>
-            </a:r>
-            <a:r>
-              <a:rPr lang="zh-CN" altLang="en-US" dirty="0"/>
-              <a:t>），光栅化管线如何渲染出一个三角形？</a:t>
-            </a:r>
-          </a:p>
-          <a:p>
-            <a:endParaRPr lang="zh-CN" altLang="en-US" dirty="0"/>
-          </a:p>
-          <a:p>
-            <a:endParaRPr lang="zh-CN" altLang="en-US" dirty="0"/>
-          </a:p>
-          <a:p>
-            <a:endParaRPr lang="zh-CN" altLang="en-US" dirty="0"/>
-          </a:p>
-        </p:txBody>
-      </p:sp>
-      <p:sp>
-        <p:nvSpPr>
-          <p:cNvPr id="3" name="标题 2"/>
-          <p:cNvSpPr>
-            <a:spLocks noGrp="1"/>
-          </p:cNvSpPr>
-          <p:nvPr>
-            <p:ph type="title"/>
-          </p:nvPr>
-        </p:nvSpPr>
-        <p:spPr/>
-        <p:txBody>
-          <a:bodyPr/>
-          <a:lstStyle/>
-          <a:p>
-            <a:r>
-              <a:rPr lang="zh-CN" altLang="en-US" dirty="0">
-                <a:sym typeface="+mn-ea"/>
-              </a:rPr>
-              <a:t>主问题：光栅化管线如何实现“绘制一个三角形”</a:t>
-            </a:r>
-            <a:endParaRPr lang="zh-CN" altLang="en-US" dirty="0"/>
-          </a:p>
-        </p:txBody>
-      </p:sp>
-      <p:pic>
-        <p:nvPicPr>
-          <p:cNvPr id="8" name="内容占位符 4" descr="顶点着色器和片元着色器之间的步骤">
-            <a:extLst>
-              <a:ext uri="{FF2B5EF4-FFF2-40B4-BE49-F238E27FC236}">
-                <a16:creationId xmlns:a16="http://schemas.microsoft.com/office/drawing/2014/main" id="{E0764C7D-51D2-6703-C238-137A785DB008}"/>
-              </a:ext>
-            </a:extLst>
-          </p:cNvPr>
-          <p:cNvPicPr>
-            <a:picLocks noChangeAspect="1"/>
-          </p:cNvPicPr>
-          <p:nvPr>
-            <p:custDataLst>
-              <p:tags r:id="rId2"/>
-            </p:custDataLst>
-          </p:nvPr>
-        </p:nvPicPr>
-        <p:blipFill>
-          <a:blip r:embed="rId4"/>
-          <a:stretch>
-            <a:fillRect/>
-          </a:stretch>
-        </p:blipFill>
-        <p:spPr>
-          <a:xfrm>
-            <a:off x="1364615" y="2626995"/>
-            <a:ext cx="9344025" cy="2543175"/>
-          </a:xfrm>
-          <a:prstGeom prst="rect">
-            <a:avLst/>
-          </a:prstGeom>
-        </p:spPr>
-      </p:pic>
-    </p:spTree>
-    <p:custDataLst>
-      <p:tags r:id="rId1"/>
-    </p:custDataLst>
-  </p:cSld>
-  <p:clrMapOvr>
-    <a:masterClrMapping/>
-  </p:clrMapOvr>
   <p:timing>
     <p:tnLst>
       <p:par>
@@ -7783,7 +8252,7 @@
                             </p:stCondLst>
                             <p:childTnLst>
                               <p:par>
-                                <p:cTn id="5" presetID="1" presetClass="entr" presetSubtype="0" fill="hold" nodeType="clickEffect">
+                                <p:cTn id="5" presetID="1" presetClass="entr" presetSubtype="0" fill="hold" grpId="0" nodeType="clickEffect">
                                   <p:stCondLst>
                                     <p:cond delay="0"/>
                                   </p:stCondLst>
@@ -7796,7 +8265,167 @@
                                           </p:stCondLst>
                                         </p:cTn>
                                         <p:tgtEl>
-                                          <p:spTgt spid="8"/>
+                                          <p:spTgt spid="2">
+                                            <p:txEl>
+                                              <p:pRg st="0" end="0"/>
+                                            </p:txEl>
+                                          </p:spTgt>
+                                        </p:tgtEl>
+                                        <p:attrNameLst>
+                                          <p:attrName>style.visibility</p:attrName>
+                                        </p:attrNameLst>
+                                      </p:cBhvr>
+                                      <p:to>
+                                        <p:strVal val="visible"/>
+                                      </p:to>
+                                    </p:set>
+                                  </p:childTnLst>
+                                </p:cTn>
+                              </p:par>
+                            </p:childTnLst>
+                          </p:cTn>
+                        </p:par>
+                      </p:childTnLst>
+                    </p:cTn>
+                  </p:par>
+                  <p:par>
+                    <p:cTn id="7" fill="hold">
+                      <p:stCondLst>
+                        <p:cond delay="indefinite"/>
+                      </p:stCondLst>
+                      <p:childTnLst>
+                        <p:par>
+                          <p:cTn id="8" fill="hold">
+                            <p:stCondLst>
+                              <p:cond delay="0"/>
+                            </p:stCondLst>
+                            <p:childTnLst>
+                              <p:par>
+                                <p:cTn id="9" presetID="1" presetClass="entr" presetSubtype="0" fill="hold" nodeType="clickEffect">
+                                  <p:stCondLst>
+                                    <p:cond delay="0"/>
+                                  </p:stCondLst>
+                                  <p:childTnLst>
+                                    <p:set>
+                                      <p:cBhvr>
+                                        <p:cTn id="10" dur="1" fill="hold">
+                                          <p:stCondLst>
+                                            <p:cond delay="0"/>
+                                          </p:stCondLst>
+                                        </p:cTn>
+                                        <p:tgtEl>
+                                          <p:spTgt spid="5"/>
+                                        </p:tgtEl>
+                                        <p:attrNameLst>
+                                          <p:attrName>style.visibility</p:attrName>
+                                        </p:attrNameLst>
+                                      </p:cBhvr>
+                                      <p:to>
+                                        <p:strVal val="visible"/>
+                                      </p:to>
+                                    </p:set>
+                                  </p:childTnLst>
+                                </p:cTn>
+                              </p:par>
+                            </p:childTnLst>
+                          </p:cTn>
+                        </p:par>
+                      </p:childTnLst>
+                    </p:cTn>
+                  </p:par>
+                  <p:par>
+                    <p:cTn id="11" fill="hold">
+                      <p:stCondLst>
+                        <p:cond delay="indefinite"/>
+                      </p:stCondLst>
+                      <p:childTnLst>
+                        <p:par>
+                          <p:cTn id="12" fill="hold">
+                            <p:stCondLst>
+                              <p:cond delay="0"/>
+                            </p:stCondLst>
+                            <p:childTnLst>
+                              <p:par>
+                                <p:cTn id="13" presetID="1" presetClass="entr" presetSubtype="0" fill="hold" grpId="0" nodeType="clickEffect">
+                                  <p:stCondLst>
+                                    <p:cond delay="0"/>
+                                  </p:stCondLst>
+                                  <p:childTnLst>
+                                    <p:set>
+                                      <p:cBhvr>
+                                        <p:cTn id="14" dur="1" fill="hold">
+                                          <p:stCondLst>
+                                            <p:cond delay="0"/>
+                                          </p:stCondLst>
+                                        </p:cTn>
+                                        <p:tgtEl>
+                                          <p:spTgt spid="2">
+                                            <p:txEl>
+                                              <p:pRg st="1" end="1"/>
+                                            </p:txEl>
+                                          </p:spTgt>
+                                        </p:tgtEl>
+                                        <p:attrNameLst>
+                                          <p:attrName>style.visibility</p:attrName>
+                                        </p:attrNameLst>
+                                      </p:cBhvr>
+                                      <p:to>
+                                        <p:strVal val="visible"/>
+                                      </p:to>
+                                    </p:set>
+                                  </p:childTnLst>
+                                </p:cTn>
+                              </p:par>
+                              <p:par>
+                                <p:cTn id="15" presetID="1" presetClass="entr" presetSubtype="0" fill="hold" grpId="0" nodeType="withEffect">
+                                  <p:stCondLst>
+                                    <p:cond delay="0"/>
+                                  </p:stCondLst>
+                                  <p:childTnLst>
+                                    <p:set>
+                                      <p:cBhvr>
+                                        <p:cTn id="16" dur="1" fill="hold">
+                                          <p:stCondLst>
+                                            <p:cond delay="0"/>
+                                          </p:stCondLst>
+                                        </p:cTn>
+                                        <p:tgtEl>
+                                          <p:spTgt spid="2">
+                                            <p:txEl>
+                                              <p:pRg st="2" end="2"/>
+                                            </p:txEl>
+                                          </p:spTgt>
+                                        </p:tgtEl>
+                                        <p:attrNameLst>
+                                          <p:attrName>style.visibility</p:attrName>
+                                        </p:attrNameLst>
+                                      </p:cBhvr>
+                                      <p:to>
+                                        <p:strVal val="visible"/>
+                                      </p:to>
+                                    </p:set>
+                                  </p:childTnLst>
+                                </p:cTn>
+                              </p:par>
+                              <p:par>
+                                <p:cTn id="17" presetID="1" presetClass="entr" presetSubtype="0" fill="hold" grpId="0" nodeType="withEffect">
+                                  <p:stCondLst>
+                                    <p:cond delay="0"/>
+                                  </p:stCondLst>
+                                  <p:childTnLst>
+                                    <p:set>
+                                      <p:cBhvr>
+                                        <p:cTn id="18" dur="1" fill="hold">
+                                          <p:stCondLst>
+                                            <p:cond delay="0"/>
+                                          </p:stCondLst>
+                                        </p:cTn>
+                                        <p:tgtEl>
+                                          <p:spTgt spid="2">
+                                            <p:txEl>
+                                              <p:pRg st="3" end="3"/>
+                                            </p:txEl>
+                                          </p:spTgt>
                                         </p:tgtEl>
                                         <p:attrNameLst>
                                           <p:attrName>style.visibility</p:attrName>
@@ -7836,6 +8465,343 @@
         </p:cTn>
       </p:par>
     </p:tnLst>
+    <p:bldLst>
+      <p:bldP spid="2" grpId="0" uiExpand="1" build="p"/>
+    </p:bldLst>
+  </p:timing>
+</p:sld>
+</file>
+
+<file path=ppt/slides/slide7.xml><?xml version="1.0" encoding="utf-8"?>
+<p:sld xmlns:a="http://schemas.openxmlformats.org/drawingml/2006/main" xmlns:r="http://schemas.openxmlformats.org/officeDocument/2006/relationships" xmlns:p="http://schemas.openxmlformats.org/presentationml/2006/main">
+  <p:cSld>
+    <p:spTree>
+      <p:nvGrpSpPr>
+        <p:cNvPr id="1" name=""/>
+        <p:cNvGrpSpPr/>
+        <p:nvPr/>
+      </p:nvGrpSpPr>
+      <p:grpSpPr>
+        <a:xfrm>
+          <a:off x="0" y="0"/>
+          <a:ext cx="0" cy="0"/>
+          <a:chOff x="0" y="0"/>
+          <a:chExt cx="0" cy="0"/>
+        </a:xfrm>
+      </p:grpSpPr>
+      <p:sp>
+        <p:nvSpPr>
+          <p:cNvPr id="2" name="标题 1"/>
+          <p:cNvSpPr>
+            <a:spLocks noGrp="1"/>
+          </p:cNvSpPr>
+          <p:nvPr>
+            <p:ph type="title"/>
+          </p:nvPr>
+        </p:nvSpPr>
+        <p:spPr/>
+        <p:txBody>
+          <a:bodyPr/>
+          <a:lstStyle/>
+          <a:p>
+            <a:r>
+              <a:rPr lang="zh-CN" altLang="en-US" dirty="0">
+                <a:sym typeface="+mn-ea"/>
+              </a:rPr>
+              <a:t>主问题：光栅化管线如何实现“绘制一个三角形”</a:t>
+            </a:r>
+            <a:endParaRPr dirty="0">
+              <a:sym typeface="+mn-ea"/>
+            </a:endParaRPr>
+          </a:p>
+        </p:txBody>
+      </p:sp>
+    </p:spTree>
+    <p:custDataLst>
+      <p:tags r:id="rId1"/>
+    </p:custDataLst>
+  </p:cSld>
+  <p:clrMapOvr>
+    <a:masterClrMapping/>
+  </p:clrMapOvr>
+</p:sld>
+</file>
+
+<file path=ppt/slides/slide8.xml><?xml version="1.0" encoding="utf-8"?>
+<p:sld xmlns:a="http://schemas.openxmlformats.org/drawingml/2006/main" xmlns:r="http://schemas.openxmlformats.org/officeDocument/2006/relationships" xmlns:p="http://schemas.openxmlformats.org/presentationml/2006/main">
+  <p:cSld>
+    <p:spTree>
+      <p:nvGrpSpPr>
+        <p:cNvPr id="1" name=""/>
+        <p:cNvGrpSpPr/>
+        <p:nvPr/>
+      </p:nvGrpSpPr>
+      <p:grpSpPr>
+        <a:xfrm>
+          <a:off x="0" y="0"/>
+          <a:ext cx="0" cy="0"/>
+          <a:chOff x="0" y="0"/>
+          <a:chExt cx="0" cy="0"/>
+        </a:xfrm>
+      </p:grpSpPr>
+      <p:sp>
+        <p:nvSpPr>
+          <p:cNvPr id="2" name="文本占位符 1"/>
+          <p:cNvSpPr>
+            <a:spLocks noGrp="1"/>
+          </p:cNvSpPr>
+          <p:nvPr>
+            <p:ph type="body" idx="1"/>
+          </p:nvPr>
+        </p:nvSpPr>
+        <p:spPr/>
+        <p:txBody>
+          <a:bodyPr/>
+          <a:lstStyle/>
+          <a:p>
+            <a:pPr marL="285750" indent="-285750">
+              <a:buFont typeface="Arial" panose="020B0604020202020204" pitchFamily="34" charset="0"/>
+              <a:buChar char="•"/>
+            </a:pPr>
+            <a:r>
+              <a:rPr lang="zh-CN" altLang="en-US" dirty="0"/>
+              <a:t>已知一个三角形的三个顶点（</a:t>
+            </a:r>
+            <a:r>
+              <a:rPr lang="en-US" altLang="zh-CN" dirty="0"/>
+              <a:t>2</a:t>
+            </a:r>
+            <a:r>
+              <a:rPr lang="en" altLang="zh-CN" dirty="0"/>
+              <a:t>D</a:t>
+            </a:r>
+            <a:r>
+              <a:rPr lang="zh-CN" altLang="en-US" dirty="0"/>
+              <a:t>坐标，</a:t>
+            </a:r>
+            <a:r>
+              <a:rPr lang="en" altLang="zh-CN" dirty="0"/>
+              <a:t>z</a:t>
+            </a:r>
+            <a:r>
+              <a:rPr lang="zh-CN" altLang="en-US" dirty="0"/>
+              <a:t>为</a:t>
+            </a:r>
+            <a:r>
+              <a:rPr lang="en-US" altLang="zh-CN" dirty="0"/>
+              <a:t>0</a:t>
+            </a:r>
+            <a:r>
+              <a:rPr lang="zh-CN" altLang="en-US" dirty="0"/>
+              <a:t>），光栅化管线如何渲染出一个三角形？</a:t>
+            </a:r>
+          </a:p>
+          <a:p>
+            <a:endParaRPr lang="zh-CN" altLang="en-US" dirty="0"/>
+          </a:p>
+          <a:p>
+            <a:endParaRPr lang="zh-CN" altLang="en-US" dirty="0"/>
+          </a:p>
+          <a:p>
+            <a:endParaRPr lang="zh-CN" altLang="en-US" dirty="0"/>
+          </a:p>
+        </p:txBody>
+      </p:sp>
+      <p:sp>
+        <p:nvSpPr>
+          <p:cNvPr id="3" name="标题 2"/>
+          <p:cNvSpPr>
+            <a:spLocks noGrp="1"/>
+          </p:cNvSpPr>
+          <p:nvPr>
+            <p:ph type="title"/>
+          </p:nvPr>
+        </p:nvSpPr>
+        <p:spPr/>
+        <p:txBody>
+          <a:bodyPr/>
+          <a:lstStyle/>
+          <a:p>
+            <a:r>
+              <a:rPr lang="zh-CN" altLang="en-US" dirty="0">
+                <a:sym typeface="+mn-ea"/>
+              </a:rPr>
+              <a:t>主问题：光栅化管线如何实现“绘制一个三角形”</a:t>
+            </a:r>
+            <a:endParaRPr lang="zh-CN" altLang="en-US" dirty="0"/>
+          </a:p>
+        </p:txBody>
+      </p:sp>
+      <p:pic>
+        <p:nvPicPr>
+          <p:cNvPr id="5" name="图片 4">
+            <a:extLst>
+              <a:ext uri="{FF2B5EF4-FFF2-40B4-BE49-F238E27FC236}">
+                <a16:creationId xmlns:a16="http://schemas.microsoft.com/office/drawing/2014/main" id="{C6A4780A-6538-297F-9695-F6C2A7210B70}"/>
+              </a:ext>
+            </a:extLst>
+          </p:cNvPr>
+          <p:cNvPicPr>
+            <a:picLocks noChangeAspect="1"/>
+          </p:cNvPicPr>
+          <p:nvPr/>
+        </p:nvPicPr>
+        <p:blipFill>
+          <a:blip r:embed="rId3">
+            <a:extLst>
+              <a:ext uri="{28A0092B-C50C-407E-A947-70E740481C1C}">
+                <a14:useLocalDpi xmlns:a14="http://schemas.microsoft.com/office/drawing/2010/main" val="0"/>
+              </a:ext>
+            </a:extLst>
+          </a:blip>
+          <a:stretch>
+            <a:fillRect/>
+          </a:stretch>
+        </p:blipFill>
+        <p:spPr>
+          <a:xfrm>
+            <a:off x="471136" y="2579369"/>
+            <a:ext cx="10750221" cy="2917917"/>
+          </a:xfrm>
+          <a:prstGeom prst="rect">
+            <a:avLst/>
+          </a:prstGeom>
+        </p:spPr>
+      </p:pic>
+    </p:spTree>
+    <p:custDataLst>
+      <p:tags r:id="rId1"/>
+    </p:custDataLst>
+  </p:cSld>
+  <p:clrMapOvr>
+    <a:masterClrMapping/>
+  </p:clrMapOvr>
+  <p:timing>
+    <p:tnLst>
+      <p:par>
+        <p:cTn id="1" dur="indefinite" restart="never" nodeType="tmRoot">
+          <p:childTnLst>
+            <p:seq concurrent="1" nextAc="seek">
+              <p:cTn id="2" dur="indefinite" nodeType="mainSeq">
+                <p:childTnLst>
+                  <p:par>
+                    <p:cTn id="3" fill="hold">
+                      <p:stCondLst>
+                        <p:cond delay="indefinite"/>
+                      </p:stCondLst>
+                      <p:childTnLst>
+                        <p:par>
+                          <p:cTn id="4" fill="hold">
+                            <p:stCondLst>
+                              <p:cond delay="0"/>
+                            </p:stCondLst>
+                            <p:childTnLst>
+                              <p:par>
+                                <p:cTn id="5" presetID="1" presetClass="entr" presetSubtype="0" fill="hold" grpId="0" nodeType="clickEffect">
+                                  <p:stCondLst>
+                                    <p:cond delay="0"/>
+                                  </p:stCondLst>
+                                  <p:childTnLst>
+                                    <p:set>
+                                      <p:cBhvr>
+                                        <p:cTn id="6" dur="1" fill="hold">
+                                          <p:stCondLst>
+                                            <p:cond delay="0"/>
+                                          </p:stCondLst>
+                                        </p:cTn>
+                                        <p:tgtEl>
+                                          <p:spTgt spid="2">
+                                            <p:txEl>
+                                              <p:pRg st="0" end="0"/>
+                                            </p:txEl>
+                                          </p:spTgt>
+                                        </p:tgtEl>
+                                        <p:attrNameLst>
+                                          <p:attrName>style.visibility</p:attrName>
+                                        </p:attrNameLst>
+                                      </p:cBhvr>
+                                      <p:to>
+                                        <p:strVal val="visible"/>
+                                      </p:to>
+                                    </p:set>
+                                  </p:childTnLst>
+                                </p:cTn>
+                              </p:par>
+                            </p:childTnLst>
+                          </p:cTn>
+                        </p:par>
+                      </p:childTnLst>
+                    </p:cTn>
+                  </p:par>
+                  <p:par>
+                    <p:cTn id="7" fill="hold">
+                      <p:stCondLst>
+                        <p:cond delay="indefinite"/>
+                      </p:stCondLst>
+                      <p:childTnLst>
+                        <p:par>
+                          <p:cTn id="8" fill="hold">
+                            <p:stCondLst>
+                              <p:cond delay="0"/>
+                            </p:stCondLst>
+                            <p:childTnLst>
+                              <p:par>
+                                <p:cTn id="9" presetID="1" presetClass="entr" presetSubtype="0" fill="hold" nodeType="clickEffect">
+                                  <p:stCondLst>
+                                    <p:cond delay="0"/>
+                                  </p:stCondLst>
+                                  <p:childTnLst>
+                                    <p:set>
+                                      <p:cBhvr>
+                                        <p:cTn id="10" dur="1" fill="hold">
+                                          <p:stCondLst>
+                                            <p:cond delay="0"/>
+                                          </p:stCondLst>
+                                        </p:cTn>
+                                        <p:tgtEl>
+                                          <p:spTgt spid="5"/>
+                                        </p:tgtEl>
+                                        <p:attrNameLst>
+                                          <p:attrName>style.visibility</p:attrName>
+                                        </p:attrNameLst>
+                                      </p:cBhvr>
+                                      <p:to>
+                                        <p:strVal val="visible"/>
+                                      </p:to>
+                                    </p:set>
+                                  </p:childTnLst>
+                                </p:cTn>
+                              </p:par>
+                            </p:childTnLst>
+                          </p:cTn>
+                        </p:par>
+                      </p:childTnLst>
+                    </p:cTn>
+                  </p:par>
+                </p:childTnLst>
+              </p:cTn>
+              <p:prevCondLst>
+                <p:cond evt="onPrev" delay="0">
+                  <p:tgtEl>
+                    <p:sldTgt/>
+                  </p:tgtEl>
+                </p:cond>
+              </p:prevCondLst>
+              <p:nextCondLst>
+                <p:cond evt="onNext" delay="0">
+                  <p:tgtEl>
+                    <p:sldTgt/>
+                  </p:tgtEl>
+                </p:cond>
+              </p:nextCondLst>
+            </p:seq>
+          </p:childTnLst>
+        </p:cTn>
+      </p:par>
+    </p:tnLst>
+    <p:bldLst>
+      <p:bldP spid="2" grpId="0" build="p"/>
+    </p:bldLst>
   </p:timing>
 </p:sld>
 </file>
@@ -8817,7 +9783,10 @@
 
 <file path=ppt/tags/tag76.xml><?xml version="1.0" encoding="utf-8"?>
 <p:tagLst xmlns:a="http://schemas.openxmlformats.org/drawingml/2006/main" xmlns:r="http://schemas.openxmlformats.org/officeDocument/2006/relationships" xmlns:p="http://schemas.openxmlformats.org/presentationml/2006/main">
-  <p:tag name="KSO_WM_UNIT_PLACING_PICTURE_USER_VIEWPORT" val="{&quot;height&quot;:4005,&quot;width&quot;:14715}"/>
+  <p:tag name="KSO_WM_BEAUTIFY_FLAG" val="#wm#"/>
+  <p:tag name="KSO_WM_TEMPLATE_CATEGORY" val="custom"/>
+  <p:tag name="KSO_WM_TEMPLATE_INDEX" val="20187308"/>
+  <p:tag name="KSO_WM_SPECIAL_SOURCE" val="bdnull"/>
 </p:tagLst>
 </file>
 
@@ -8880,15 +9849,6 @@
 </file>
 
 <file path=ppt/tags/tag82.xml><?xml version="1.0" encoding="utf-8"?>
-<p:tagLst xmlns:a="http://schemas.openxmlformats.org/drawingml/2006/main" xmlns:r="http://schemas.openxmlformats.org/officeDocument/2006/relationships" xmlns:p="http://schemas.openxmlformats.org/presentationml/2006/main">
-  <p:tag name="KSO_WM_BEAUTIFY_FLAG" val="#wm#"/>
-  <p:tag name="KSO_WM_TEMPLATE_CATEGORY" val="custom"/>
-  <p:tag name="KSO_WM_TEMPLATE_INDEX" val="20187308"/>
-  <p:tag name="KSO_WM_SPECIAL_SOURCE" val="bdnull"/>
-</p:tagLst>
-</file>
-
-<file path=ppt/tags/tag83.xml><?xml version="1.0" encoding="utf-8"?>
 <p:tagLst xmlns:a="http://schemas.openxmlformats.org/drawingml/2006/main" xmlns:r="http://schemas.openxmlformats.org/officeDocument/2006/relationships" xmlns:p="http://schemas.openxmlformats.org/presentationml/2006/main">
   <p:tag name="KSO_WM_BEAUTIFY_FLAG" val="#wm#"/>
   <p:tag name="KSO_WM_TEMPLATE_CATEGORY" val="custom"/>

--- a/packages/2_triangle/ppt/绘制三角形.pptx
+++ b/packages/2_triangle/ppt/绘制三角形.pptx
@@ -6737,7 +6737,15 @@
           <a:bodyPr/>
           <a:lstStyle/>
           <a:p>
-            <a:endParaRPr lang="zh-CN" altLang="en-US"/>
+            <a:pPr marL="285750" indent="-285750">
+              <a:buFont typeface="Arial" panose="020B0604020202020204" pitchFamily="34" charset="0"/>
+              <a:buChar char="•"/>
+            </a:pPr>
+            <a:r>
+              <a:rPr lang="en-US" altLang="zh-CN" dirty="0"/>
+              <a:t>Program </a:t>
+            </a:r>
+            <a:endParaRPr lang="zh-CN" altLang="en-US" dirty="0"/>
           </a:p>
         </p:txBody>
       </p:sp>
